--- a/Documents/RM-Client-Extensions.pptx
+++ b/Documents/RM-Client-Extensions.pptx
@@ -447,7 +447,7 @@
     </p:spTree>
     <p:extLst>
       <p:ext uri="{BB962C8B-B14F-4D97-AF65-F5344CB8AC3E}">
-        <p14:creationId xmlns:p14="http://schemas.microsoft.com/office/powerpoint/2010/main" xmlns="" val="1402448045"/>
+        <p14:creationId xmlns="" xmlns:p14="http://schemas.microsoft.com/office/powerpoint/2010/main" val="1402448045"/>
       </p:ext>
     </p:extLst>
   </p:cSld>
@@ -612,7 +612,7 @@
           <a:effectLst/>
           <a:extLst>
             <a:ext uri="{AF507438-7753-43E0-B8FC-AC1667EBCBE1}">
-              <a14:hiddenEffects xmlns:a14="http://schemas.microsoft.com/office/drawing/2010/main" xmlns="">
+              <a14:hiddenEffects xmlns="" xmlns:a14="http://schemas.microsoft.com/office/drawing/2010/main">
                 <a:effectLst>
                   <a:outerShdw blurRad="63500" dist="38099" dir="2700000" algn="ctr" rotWithShape="0">
                     <a:srgbClr val="000000">
@@ -623,7 +623,7 @@
               </a14:hiddenEffects>
             </a:ext>
             <a:ext uri="{53640926-AAD7-44D8-BBD7-CCE9431645EC}">
-              <a14:shadowObscured xmlns:a14="http://schemas.microsoft.com/office/drawing/2010/main" xmlns="" val="1"/>
+              <a14:shadowObscured xmlns="" xmlns:a14="http://schemas.microsoft.com/office/drawing/2010/main" val="1"/>
             </a:ext>
           </a:extLst>
         </p:spPr>
@@ -880,7 +880,7 @@
     </p:spTree>
     <p:extLst>
       <p:ext uri="{BB962C8B-B14F-4D97-AF65-F5344CB8AC3E}">
-        <p14:creationId xmlns:p14="http://schemas.microsoft.com/office/powerpoint/2010/main" xmlns="" val="2474929298"/>
+        <p14:creationId xmlns="" xmlns:p14="http://schemas.microsoft.com/office/powerpoint/2010/main" val="2474929298"/>
       </p:ext>
     </p:extLst>
   </p:cSld>
@@ -1407,8 +1407,8 @@
           <a:lstStyle/>
           <a:p>
             <a:r>
-              <a:rPr lang="en-US" sz="1000" b="1" noProof="0" smtClean="0"/>
-              <a:t>Restricted © Siemens Schweiz AG 2015  All rights reserved.</a:t>
+              <a:rPr lang="de-DE" sz="1000" b="1" noProof="0" smtClean="0"/>
+              <a:t>Restricted © Siemens Schweiz AG 2017</a:t>
             </a:r>
             <a:endParaRPr lang="en-US" sz="1000" b="1" noProof="0" dirty="0" smtClean="0"/>
           </a:p>
@@ -1528,14 +1528,6 @@
           <a:lstStyle/>
           <a:p>
             <a:pPr algn="r"/>
-            <a:r>
-              <a:rPr lang="en-US" sz="1000" b="1" noProof="0" smtClean="0">
-                <a:solidFill>
-                  <a:schemeClr val="tx1"/>
-                </a:solidFill>
-              </a:rPr>
-              <a:t>siemens.com/answers</a:t>
-            </a:r>
             <a:endParaRPr lang="en-US" sz="1000" b="1" noProof="0" dirty="0">
               <a:solidFill>
                 <a:schemeClr val="tx1"/>
@@ -4194,8 +4186,8 @@
           <a:lstStyle/>
           <a:p>
             <a:r>
-              <a:rPr lang="en-US" sz="1000" b="1" noProof="0" smtClean="0"/>
-              <a:t>Restricted © Siemens Schweiz AG 2015  All rights reserved.</a:t>
+              <a:rPr lang="de-DE" sz="1000" b="1" noProof="0" smtClean="0"/>
+              <a:t>Restricted © Siemens Schweiz AG 2017</a:t>
             </a:r>
             <a:endParaRPr lang="en-US" sz="1000" b="1" noProof="0" dirty="0" smtClean="0"/>
           </a:p>
@@ -4231,14 +4223,6 @@
           <a:lstStyle/>
           <a:p>
             <a:pPr algn="r"/>
-            <a:r>
-              <a:rPr lang="en-US" sz="1000" b="1" noProof="0" smtClean="0">
-                <a:solidFill>
-                  <a:schemeClr val="tx1"/>
-                </a:solidFill>
-              </a:rPr>
-              <a:t>siemens.com/answers</a:t>
-            </a:r>
             <a:endParaRPr lang="en-US" sz="1000" b="1" noProof="0" dirty="0">
               <a:solidFill>
                 <a:schemeClr val="tx1"/>
@@ -5093,12 +5077,12 @@
           <a:lstStyle/>
           <a:p>
             <a:r>
-              <a:rPr lang="en-US" sz="1000" b="1" noProof="0" smtClean="0">
+              <a:rPr lang="de-DE" sz="1000" b="1" noProof="0" smtClean="0">
                 <a:solidFill>
                   <a:schemeClr val="tx1"/>
                 </a:solidFill>
               </a:rPr>
-              <a:t>Restricted © Siemens Schweiz AG 2015  All rights reserved.</a:t>
+              <a:t>Restricted © Siemens Schweiz AG 2017</a:t>
             </a:r>
             <a:endParaRPr lang="en-US" sz="1000" b="1" noProof="0" dirty="0" smtClean="0">
               <a:solidFill>
@@ -5138,14 +5122,6 @@
           <a:lstStyle/>
           <a:p>
             <a:pPr algn="r"/>
-            <a:r>
-              <a:rPr lang="en-US" sz="1000" b="1" noProof="0" smtClean="0">
-                <a:solidFill>
-                  <a:schemeClr val="tx1"/>
-                </a:solidFill>
-              </a:rPr>
-              <a:t>siemens.com/answers</a:t>
-            </a:r>
             <a:endParaRPr lang="en-US" sz="1000" b="1" noProof="0" dirty="0">
               <a:solidFill>
                 <a:schemeClr val="tx1"/>
@@ -5542,12 +5518,12 @@
           <a:lstStyle/>
           <a:p>
             <a:r>
-              <a:rPr lang="en-US" sz="1000" b="1" noProof="0" smtClean="0">
+              <a:rPr lang="de-DE" sz="1000" b="1" noProof="0" smtClean="0">
                 <a:solidFill>
                   <a:schemeClr val="tx1"/>
                 </a:solidFill>
               </a:rPr>
-              <a:t>Restricted © Siemens Schweiz AG 2015  All rights reserved.</a:t>
+              <a:t>Restricted © Siemens Schweiz AG 2017</a:t>
             </a:r>
             <a:endParaRPr lang="en-US" sz="1000" b="1" noProof="0" dirty="0" smtClean="0">
               <a:solidFill>
@@ -5587,14 +5563,6 @@
           <a:lstStyle/>
           <a:p>
             <a:pPr algn="r"/>
-            <a:r>
-              <a:rPr lang="en-US" sz="1000" b="1" noProof="0" smtClean="0">
-                <a:solidFill>
-                  <a:schemeClr val="tx1"/>
-                </a:solidFill>
-              </a:rPr>
-              <a:t>siemens.com/answers</a:t>
-            </a:r>
             <a:endParaRPr lang="en-US" sz="1000" b="1" noProof="0" dirty="0">
               <a:solidFill>
                 <a:schemeClr val="tx1"/>
@@ -6737,7 +6705,7 @@
                   <a:schemeClr val="tx1"/>
                 </a:solidFill>
               </a:rPr>
-              <a:t>Rev 1, 23-Jun-2015</a:t>
+              <a:t>Rev 2, 13-Sep-2017</a:t>
             </a:r>
             <a:endParaRPr lang="en-US" sz="1000" noProof="0" dirty="0" smtClean="0">
               <a:solidFill>
@@ -6777,8 +6745,8 @@
           <a:lstStyle/>
           <a:p>
             <a:r>
-              <a:rPr lang="en-US" sz="1000" b="1" noProof="0" smtClean="0"/>
-              <a:t>Restricted © Siemens Schweiz AG 2015  All rights reserved.</a:t>
+              <a:rPr lang="de-DE" sz="1000" b="1" noProof="0" smtClean="0"/>
+              <a:t>Restricted © Siemens Schweiz AG 2017</a:t>
             </a:r>
             <a:endParaRPr lang="en-US" sz="1000" b="1" noProof="0" dirty="0" smtClean="0"/>
           </a:p>
@@ -6969,7 +6937,7 @@
               </a:rPr>
               <a:t>Page </a:t>
             </a:r>
-            <a:fld id="{9031A0B4-7377-4A72-95B3-90B0F327A3F2}" type="slidenum">
+            <a:fld id="{EC9CB45A-280F-423D-B93C-7B61C2806A0A}" type="slidenum">
               <a:rPr lang="en-US" sz="1000" noProof="0" smtClean="0">
                 <a:solidFill>
                   <a:schemeClr val="tx1"/>
@@ -7580,11 +7548,7 @@
           <a:p>
             <a:r>
               <a:rPr lang="en-US" dirty="0" smtClean="0"/>
-              <a:t>RM Client </a:t>
-            </a:r>
-            <a:r>
-              <a:rPr lang="en-US" dirty="0" err="1" smtClean="0"/>
-              <a:t>Extrensions</a:t>
+              <a:t>RM Client Extensions</a:t>
             </a:r>
             <a:endParaRPr lang="en-US" dirty="0"/>
           </a:p>
@@ -7636,7 +7600,7 @@
           <a:p>
             <a:r>
               <a:rPr lang="en-US" smtClean="0"/>
-              <a:t>Revision:	1, 23-Jun-2015</a:t>
+              <a:t>Revision:	2, 13-Sep-2017</a:t>
             </a:r>
             <a:endParaRPr lang="en-US" dirty="0"/>
           </a:p>
@@ -7831,7 +7795,13 @@
               <a:rPr lang="en-US" dirty="0" smtClean="0">
                 <a:hlinkClick r:id="rId5"/>
               </a:rPr>
-              <a:t>https://bt-clmtestserver01.hqs.sbt.siemens.com/rm/web</a:t>
+              <a:t>https</a:t>
+            </a:r>
+            <a:r>
+              <a:rPr lang="en-US" dirty="0" smtClean="0">
+                <a:hlinkClick r:id="rId5"/>
+              </a:rPr>
+              <a:t>://testserver/rm/web</a:t>
             </a:r>
             <a:r>
               <a:rPr lang="en-US" dirty="0" smtClean="0"/>
@@ -8009,7 +7979,7 @@
       </p:sp>
       <p:pic>
         <p:nvPicPr>
-          <p:cNvPr id="12290" name="Picture 2" descr="C:\Users\hutterd\AppData\Local\Temp\SNAGHTML4813817.PNG"/>
+          <p:cNvPr id="10242" name="Picture 2" descr="C:\Users\hutterd\AppData\Local\Temp\SNAGHTML3f6a104.PNG"/>
           <p:cNvPicPr>
             <a:picLocks noChangeAspect="1" noChangeArrowheads="1"/>
           </p:cNvPicPr>
@@ -8024,8 +7994,8 @@
         </p:blipFill>
         <p:spPr bwMode="auto">
           <a:xfrm>
-            <a:off x="539440" y="2420860"/>
-            <a:ext cx="8162925" cy="3248026"/>
+            <a:off x="539440" y="2636890"/>
+            <a:ext cx="8181975" cy="3267075"/>
           </a:xfrm>
           <a:prstGeom prst="rect">
             <a:avLst/>
@@ -8412,7 +8382,17 @@
                 <a:latin typeface="Courier New" pitchFamily="49" charset="0"/>
                 <a:cs typeface="Courier New" pitchFamily="49" charset="0"/>
               </a:rPr>
-              <a:t>/status.xml' /&gt;</a:t>
+              <a:t>/modulesummary.xml</a:t>
+            </a:r>
+            <a:r>
+              <a:rPr lang="en-US" sz="1200" b="1" dirty="0" smtClean="0">
+                <a:solidFill>
+                  <a:srgbClr val="0070C0"/>
+                </a:solidFill>
+                <a:latin typeface="Courier New" pitchFamily="49" charset="0"/>
+                <a:cs typeface="Courier New" pitchFamily="49" charset="0"/>
+              </a:rPr>
+              <a:t>' /&gt;</a:t>
             </a:r>
           </a:p>
           <a:p>
@@ -8492,7 +8472,17 @@
                 <a:latin typeface="Courier New" pitchFamily="49" charset="0"/>
                 <a:cs typeface="Courier New" pitchFamily="49" charset="0"/>
               </a:rPr>
-              <a:t>/graph.gif"/&gt;</a:t>
+              <a:t>/modulesummary.gif</a:t>
+            </a:r>
+            <a:r>
+              <a:rPr lang="en-US" sz="1200" b="1" dirty="0" smtClean="0">
+                <a:solidFill>
+                  <a:srgbClr val="0070C0"/>
+                </a:solidFill>
+                <a:latin typeface="Courier New" pitchFamily="49" charset="0"/>
+                <a:cs typeface="Courier New" pitchFamily="49" charset="0"/>
+              </a:rPr>
+              <a:t>"/&gt;</a:t>
             </a:r>
           </a:p>
           <a:p>
@@ -8572,7 +8562,17 @@
                 <a:latin typeface="Courier New" pitchFamily="49" charset="0"/>
                 <a:cs typeface="Courier New" pitchFamily="49" charset="0"/>
               </a:rPr>
-              <a:t>/graphs_pre.png"/&gt;</a:t>
+              <a:t>/modulesummary_pre.png</a:t>
+            </a:r>
+            <a:r>
+              <a:rPr lang="en-US" sz="1200" b="1" dirty="0" smtClean="0">
+                <a:solidFill>
+                  <a:srgbClr val="0070C0"/>
+                </a:solidFill>
+                <a:latin typeface="Courier New" pitchFamily="49" charset="0"/>
+                <a:cs typeface="Courier New" pitchFamily="49" charset="0"/>
+              </a:rPr>
+              <a:t>"/&gt;</a:t>
             </a:r>
           </a:p>
           <a:p>
@@ -8652,7 +8652,17 @@
                 <a:latin typeface="Courier New" pitchFamily="49" charset="0"/>
                 <a:cs typeface="Courier New" pitchFamily="49" charset="0"/>
               </a:rPr>
-              <a:t>/graphs_thumb.png"/&gt;</a:t>
+              <a:t>/modulesummary_thumb.png</a:t>
+            </a:r>
+            <a:r>
+              <a:rPr lang="en-US" sz="1200" b="1" dirty="0" smtClean="0">
+                <a:solidFill>
+                  <a:srgbClr val="0070C0"/>
+                </a:solidFill>
+                <a:latin typeface="Courier New" pitchFamily="49" charset="0"/>
+                <a:cs typeface="Courier New" pitchFamily="49" charset="0"/>
+              </a:rPr>
+              <a:t>"/&gt;</a:t>
             </a:r>
           </a:p>
           <a:p>
@@ -8821,7 +8831,7 @@
           <a:effectLst/>
           <a:extLst>
             <a:ext uri="{91240B29-F687-4F45-9708-019B960494DF}">
-              <a14:hiddenLine xmlns:a14="http://schemas.microsoft.com/office/drawing/2010/main" xmlns="" w="9525">
+              <a14:hiddenLine xmlns="" xmlns:a14="http://schemas.microsoft.com/office/drawing/2010/main" w="9525">
                 <a:solidFill>
                   <a:schemeClr val="tx1"/>
                 </a:solidFill>
@@ -8831,7 +8841,7 @@
               </a14:hiddenLine>
             </a:ext>
             <a:ext uri="{AF507438-7753-43E0-B8FC-AC1667EBCBE1}">
-              <a14:hiddenEffects xmlns:a14="http://schemas.microsoft.com/office/drawing/2010/main" xmlns="">
+              <a14:hiddenEffects xmlns="" xmlns:a14="http://schemas.microsoft.com/office/drawing/2010/main">
                 <a:effectLst>
                   <a:outerShdw blurRad="63500" dist="38099" dir="2700000" algn="ctr" rotWithShape="0">
                     <a:schemeClr val="bg2">
@@ -8890,7 +8900,7 @@
           <a:effectLst/>
           <a:extLst>
             <a:ext uri="{91240B29-F687-4F45-9708-019B960494DF}">
-              <a14:hiddenLine xmlns:a14="http://schemas.microsoft.com/office/drawing/2010/main" xmlns="" w="9525">
+              <a14:hiddenLine xmlns="" xmlns:a14="http://schemas.microsoft.com/office/drawing/2010/main" w="9525">
                 <a:solidFill>
                   <a:schemeClr val="tx1"/>
                 </a:solidFill>
@@ -8900,7 +8910,7 @@
               </a14:hiddenLine>
             </a:ext>
             <a:ext uri="{AF507438-7753-43E0-B8FC-AC1667EBCBE1}">
-              <a14:hiddenEffects xmlns:a14="http://schemas.microsoft.com/office/drawing/2010/main" xmlns="">
+              <a14:hiddenEffects xmlns="" xmlns:a14="http://schemas.microsoft.com/office/drawing/2010/main">
                 <a:effectLst>
                   <a:outerShdw blurRad="63500" dist="38099" dir="2700000" algn="ctr" rotWithShape="0">
                     <a:schemeClr val="bg2">
@@ -8999,7 +9009,7 @@
             </a:pathLst>
           </a:custGeom>
           <a:noFill/>
-          <a:ln w="9525" cap="flat" cmpd="sng" algn="ctr">
+          <a:ln w="12700" cap="flat" cmpd="sng" algn="ctr">
             <a:solidFill>
               <a:schemeClr val="tx1"/>
             </a:solidFill>
@@ -9011,7 +9021,7 @@
           <a:effectLst/>
           <a:extLst>
             <a:ext uri="{AF507438-7753-43E0-B8FC-AC1667EBCBE1}">
-              <a14:hiddenEffects xmlns:a14="http://schemas.microsoft.com/office/drawing/2010/main" xmlns="">
+              <a14:hiddenEffects xmlns="" xmlns:a14="http://schemas.microsoft.com/office/drawing/2010/main">
                 <a:effectLst>
                   <a:outerShdw blurRad="63500" dist="35921" dir="2700000" algn="ctr" rotWithShape="0">
                     <a:schemeClr val="bg2"/>
@@ -9068,8 +9078,8 @@
         </p:nvSpPr>
         <p:spPr bwMode="auto">
           <a:xfrm>
-            <a:off x="2195670" y="3717040"/>
-            <a:ext cx="3275860" cy="1162975"/>
+            <a:off x="2267680" y="3717040"/>
+            <a:ext cx="3203850" cy="1224170"/>
           </a:xfrm>
           <a:custGeom>
             <a:avLst/>
@@ -9113,7 +9123,7 @@
             </a:pathLst>
           </a:custGeom>
           <a:noFill/>
-          <a:ln w="9525" cap="flat" cmpd="sng" algn="ctr">
+          <a:ln w="12700" cap="flat" cmpd="sng" algn="ctr">
             <a:solidFill>
               <a:schemeClr val="tx1"/>
             </a:solidFill>
@@ -9125,7 +9135,7 @@
           <a:effectLst/>
           <a:extLst>
             <a:ext uri="{AF507438-7753-43E0-B8FC-AC1667EBCBE1}">
-              <a14:hiddenEffects xmlns:a14="http://schemas.microsoft.com/office/drawing/2010/main" xmlns="">
+              <a14:hiddenEffects xmlns="" xmlns:a14="http://schemas.microsoft.com/office/drawing/2010/main">
                 <a:effectLst>
                   <a:outerShdw blurRad="63500" dist="35921" dir="2700000" algn="ctr" rotWithShape="0">
                     <a:schemeClr val="bg2"/>
@@ -9140,7 +9150,7 @@
             <a:prstTxWarp prst="textNoShape">
               <a:avLst/>
             </a:prstTxWarp>
-            <a:spAutoFit/>
+            <a:noAutofit/>
           </a:bodyPr>
           <a:lstStyle/>
           <a:p>
@@ -9235,7 +9245,7 @@
             </a:pathLst>
           </a:custGeom>
           <a:noFill/>
-          <a:ln w="9525" cap="flat" cmpd="sng" algn="ctr">
+          <a:ln w="12700" cap="flat" cmpd="sng" algn="ctr">
             <a:solidFill>
               <a:schemeClr val="tx1"/>
             </a:solidFill>
@@ -9247,7 +9257,7 @@
           <a:effectLst/>
           <a:extLst>
             <a:ext uri="{AF507438-7753-43E0-B8FC-AC1667EBCBE1}">
-              <a14:hiddenEffects xmlns:a14="http://schemas.microsoft.com/office/drawing/2010/main" xmlns="">
+              <a14:hiddenEffects xmlns="" xmlns:a14="http://schemas.microsoft.com/office/drawing/2010/main">
                 <a:effectLst>
                   <a:outerShdw blurRad="63500" dist="35921" dir="2700000" algn="ctr" rotWithShape="0">
                     <a:schemeClr val="bg2"/>
@@ -9304,15 +9314,15 @@
         </p:nvSpPr>
         <p:spPr bwMode="auto">
           <a:xfrm>
-            <a:off x="7092350" y="3140960"/>
+            <a:off x="7236370" y="3068950"/>
             <a:ext cx="1584220" cy="288040"/>
           </a:xfrm>
           <a:prstGeom prst="accentBorderCallout1">
             <a:avLst>
               <a:gd name="adj1" fmla="val 18750"/>
               <a:gd name="adj2" fmla="val -3850"/>
-              <a:gd name="adj3" fmla="val -10476"/>
-              <a:gd name="adj4" fmla="val -60188"/>
+              <a:gd name="adj3" fmla="val 6058"/>
+              <a:gd name="adj4" fmla="val -45157"/>
             </a:avLst>
           </a:prstGeom>
           <a:solidFill>
@@ -9326,7 +9336,7 @@
           <a:effectLst/>
           <a:extLst>
             <a:ext uri="{91240B29-F687-4F45-9708-019B960494DF}">
-              <a14:hiddenLine xmlns:a14="http://schemas.microsoft.com/office/drawing/2010/main" xmlns="" w="9525">
+              <a14:hiddenLine xmlns="" xmlns:a14="http://schemas.microsoft.com/office/drawing/2010/main" w="9525">
                 <a:solidFill>
                   <a:schemeClr val="tx1"/>
                 </a:solidFill>
@@ -9336,7 +9346,7 @@
               </a14:hiddenLine>
             </a:ext>
             <a:ext uri="{AF507438-7753-43E0-B8FC-AC1667EBCBE1}">
-              <a14:hiddenEffects xmlns:a14="http://schemas.microsoft.com/office/drawing/2010/main" xmlns="">
+              <a14:hiddenEffects xmlns="" xmlns:a14="http://schemas.microsoft.com/office/drawing/2010/main">
                 <a:effectLst>
                   <a:outerShdw blurRad="63500" dist="38099" dir="2700000" algn="ctr" rotWithShape="0">
                     <a:schemeClr val="bg2">
@@ -9399,15 +9409,15 @@
         </p:nvSpPr>
         <p:spPr bwMode="auto">
           <a:xfrm>
-            <a:off x="7092350" y="3501010"/>
+            <a:off x="7092350" y="3789050"/>
             <a:ext cx="1728240" cy="288040"/>
           </a:xfrm>
           <a:prstGeom prst="accentBorderCallout1">
             <a:avLst>
               <a:gd name="adj1" fmla="val 18750"/>
               <a:gd name="adj2" fmla="val -3850"/>
-              <a:gd name="adj3" fmla="val -62871"/>
-              <a:gd name="adj4" fmla="val -78681"/>
+              <a:gd name="adj3" fmla="val -148849"/>
+              <a:gd name="adj4" fmla="val -51676"/>
             </a:avLst>
           </a:prstGeom>
           <a:solidFill>
@@ -9421,7 +9431,7 @@
           <a:effectLst/>
           <a:extLst>
             <a:ext uri="{91240B29-F687-4F45-9708-019B960494DF}">
-              <a14:hiddenLine xmlns:a14="http://schemas.microsoft.com/office/drawing/2010/main" xmlns="" w="9525">
+              <a14:hiddenLine xmlns="" xmlns:a14="http://schemas.microsoft.com/office/drawing/2010/main" w="9525">
                 <a:solidFill>
                   <a:schemeClr val="tx1"/>
                 </a:solidFill>
@@ -9431,7 +9441,7 @@
               </a14:hiddenLine>
             </a:ext>
             <a:ext uri="{AF507438-7753-43E0-B8FC-AC1667EBCBE1}">
-              <a14:hiddenEffects xmlns:a14="http://schemas.microsoft.com/office/drawing/2010/main" xmlns="">
+              <a14:hiddenEffects xmlns="" xmlns:a14="http://schemas.microsoft.com/office/drawing/2010/main">
                 <a:effectLst>
                   <a:outerShdw blurRad="63500" dist="38099" dir="2700000" algn="ctr" rotWithShape="0">
                     <a:schemeClr val="bg2">
@@ -9606,6 +9616,13 @@
   <p:clrMapOvr>
     <a:masterClrMapping/>
   </p:clrMapOvr>
+  <p:timing>
+    <p:tnLst>
+      <p:par>
+        <p:cTn id="1" dur="indefinite" restart="never" nodeType="tmRoot"/>
+      </p:par>
+    </p:tnLst>
+  </p:timing>
 </p:sld>
 </file>
 
@@ -9887,6 +9904,13 @@
   <p:clrMapOvr>
     <a:masterClrMapping/>
   </p:clrMapOvr>
+  <p:timing>
+    <p:tnLst>
+      <p:par>
+        <p:cTn id="1" dur="indefinite" restart="never" nodeType="tmRoot"/>
+      </p:par>
+    </p:tnLst>
+  </p:timing>
 </p:sld>
 </file>
 
@@ -12767,7 +12791,7 @@
           <a:effectLst/>
           <a:extLst>
             <a:ext uri="{91240B29-F687-4F45-9708-019B960494DF}">
-              <a14:hiddenLine xmlns:a14="http://schemas.microsoft.com/office/drawing/2010/main" xmlns="" w="9525">
+              <a14:hiddenLine xmlns="" xmlns:a14="http://schemas.microsoft.com/office/drawing/2010/main" w="9525">
                 <a:solidFill>
                   <a:schemeClr val="tx1"/>
                 </a:solidFill>
@@ -12777,7 +12801,7 @@
               </a14:hiddenLine>
             </a:ext>
             <a:ext uri="{AF507438-7753-43E0-B8FC-AC1667EBCBE1}">
-              <a14:hiddenEffects xmlns:a14="http://schemas.microsoft.com/office/drawing/2010/main" xmlns="">
+              <a14:hiddenEffects xmlns="" xmlns:a14="http://schemas.microsoft.com/office/drawing/2010/main">
                 <a:effectLst>
                   <a:outerShdw blurRad="63500" dist="38099" dir="2700000" algn="ctr" rotWithShape="0">
                     <a:schemeClr val="bg2">
@@ -13491,7 +13515,7 @@
         <a:effectLst/>
         <a:extLst>
           <a:ext uri="{91240B29-F687-4F45-9708-019B960494DF}">
-            <a14:hiddenLine xmlns:a14="http://schemas.microsoft.com/office/drawing/2010/main" xmlns="" w="9525">
+            <a14:hiddenLine xmlns="" xmlns:a14="http://schemas.microsoft.com/office/drawing/2010/main" w="9525">
               <a:solidFill>
                 <a:schemeClr val="tx1"/>
               </a:solidFill>
@@ -13501,7 +13525,7 @@
             </a14:hiddenLine>
           </a:ext>
           <a:ext uri="{AF507438-7753-43E0-B8FC-AC1667EBCBE1}">
-            <a14:hiddenEffects xmlns:a14="http://schemas.microsoft.com/office/drawing/2010/main" xmlns="">
+            <a14:hiddenEffects xmlns="" xmlns:a14="http://schemas.microsoft.com/office/drawing/2010/main">
               <a:effectLst>
                 <a:outerShdw blurRad="63500" dist="38099" dir="2700000" algn="ctr" rotWithShape="0">
                   <a:schemeClr val="bg2">
@@ -13563,7 +13587,7 @@
         <a:effectLst/>
         <a:extLst>
           <a:ext uri="{AF507438-7753-43E0-B8FC-AC1667EBCBE1}">
-            <a14:hiddenEffects xmlns:a14="http://schemas.microsoft.com/office/drawing/2010/main" xmlns="">
+            <a14:hiddenEffects xmlns="" xmlns:a14="http://schemas.microsoft.com/office/drawing/2010/main">
               <a:effectLst>
                 <a:outerShdw blurRad="63500" dist="35921" dir="2700000" algn="ctr" rotWithShape="0">
                   <a:schemeClr val="bg2"/>
